--- a/中期资料/中期PPT.pptx
+++ b/中期资料/中期PPT.pptx
@@ -5,7 +5,7 @@
     <p:sldMasterId id="2147483660" r:id="rId1"/>
   </p:sldMasterIdLst>
   <p:notesMasterIdLst>
-    <p:notesMasterId r:id="rId23"/>
+    <p:notesMasterId r:id="rId22"/>
   </p:notesMasterIdLst>
   <p:sldIdLst>
     <p:sldId id="258" r:id="rId2"/>
@@ -27,8 +27,7 @@
     <p:sldId id="276" r:id="rId18"/>
     <p:sldId id="281" r:id="rId19"/>
     <p:sldId id="282" r:id="rId20"/>
-    <p:sldId id="277" r:id="rId21"/>
-    <p:sldId id="264" r:id="rId22"/>
+    <p:sldId id="264" r:id="rId21"/>
   </p:sldIdLst>
   <p:sldSz cx="9144000" cy="6858000" type="screen4x3"/>
   <p:notesSz cx="6858000" cy="9144000"/>
@@ -274,7 +273,7 @@
               <a:pPr>
                 <a:defRPr/>
               </a:pPr>
-              <a:t>2016/4/19</a:t>
+              <a:t>2016/5/30</a:t>
             </a:fld>
             <a:endParaRPr lang="zh-CN" altLang="en-US"/>
           </a:p>
@@ -1263,7 +1262,7 @@
               <a:pPr>
                 <a:defRPr/>
               </a:pPr>
-              <a:t>2016/4/19</a:t>
+              <a:t>2016/5/30</a:t>
             </a:fld>
             <a:endParaRPr lang="zh-CN" altLang="en-US" sz="1800">
               <a:solidFill>
@@ -1472,7 +1471,7 @@
               <a:pPr>
                 <a:defRPr/>
               </a:pPr>
-              <a:t>2016/4/19</a:t>
+              <a:t>2016/5/30</a:t>
             </a:fld>
             <a:endParaRPr lang="zh-CN" altLang="en-US" sz="1800">
               <a:solidFill>
@@ -1691,7 +1690,7 @@
               <a:pPr>
                 <a:defRPr/>
               </a:pPr>
-              <a:t>2016/4/19</a:t>
+              <a:t>2016/5/30</a:t>
             </a:fld>
             <a:endParaRPr lang="zh-CN" altLang="en-US" sz="1800">
               <a:solidFill>
@@ -1854,7 +1853,7 @@
               <a:pPr>
                 <a:defRPr/>
               </a:pPr>
-              <a:t>2016/4/19</a:t>
+              <a:t>2016/5/30</a:t>
             </a:fld>
             <a:endParaRPr lang="zh-CN" altLang="en-US" sz="1800">
               <a:solidFill>
@@ -2063,7 +2062,7 @@
               <a:pPr>
                 <a:defRPr/>
               </a:pPr>
-              <a:t>2016/4/19</a:t>
+              <a:t>2016/5/30</a:t>
             </a:fld>
             <a:endParaRPr lang="zh-CN" altLang="en-US" sz="1800">
               <a:solidFill>
@@ -2295,7 +2294,7 @@
               <a:pPr>
                 <a:defRPr/>
               </a:pPr>
-              <a:t>2016/4/19</a:t>
+              <a:t>2016/5/30</a:t>
             </a:fld>
             <a:endParaRPr lang="zh-CN" altLang="en-US" sz="1800">
               <a:solidFill>
@@ -2621,7 +2620,7 @@
               <a:pPr>
                 <a:defRPr/>
               </a:pPr>
-              <a:t>2016/4/19</a:t>
+              <a:t>2016/5/30</a:t>
             </a:fld>
             <a:endParaRPr lang="zh-CN" altLang="en-US" sz="1800">
               <a:solidFill>
@@ -3086,7 +3085,7 @@
               <a:pPr>
                 <a:defRPr/>
               </a:pPr>
-              <a:t>2016/4/19</a:t>
+              <a:t>2016/5/30</a:t>
             </a:fld>
             <a:endParaRPr lang="zh-CN" altLang="en-US" sz="1800">
               <a:solidFill>
@@ -3244,7 +3243,7 @@
               <a:pPr>
                 <a:defRPr/>
               </a:pPr>
-              <a:t>2016/4/19</a:t>
+              <a:t>2016/5/30</a:t>
             </a:fld>
             <a:endParaRPr lang="zh-CN" altLang="en-US" sz="1800">
               <a:solidFill>
@@ -3380,7 +3379,7 @@
               <a:pPr>
                 <a:defRPr/>
               </a:pPr>
-              <a:t>2016/4/19</a:t>
+              <a:t>2016/5/30</a:t>
             </a:fld>
             <a:endParaRPr lang="zh-CN" altLang="en-US" sz="1800">
               <a:solidFill>
@@ -3696,7 +3695,7 @@
               <a:pPr>
                 <a:defRPr/>
               </a:pPr>
-              <a:t>2016/4/19</a:t>
+              <a:t>2016/5/30</a:t>
             </a:fld>
             <a:endParaRPr lang="zh-CN" altLang="en-US" sz="1800">
               <a:solidFill>
@@ -3992,7 +3991,7 @@
               <a:pPr>
                 <a:defRPr/>
               </a:pPr>
-              <a:t>2016/4/19</a:t>
+              <a:t>2016/5/30</a:t>
             </a:fld>
             <a:endParaRPr lang="zh-CN" altLang="en-US" sz="1800">
               <a:solidFill>
@@ -4313,7 +4312,7 @@
               <a:pPr>
                 <a:defRPr/>
               </a:pPr>
-              <a:t>2016/4/19</a:t>
+              <a:t>2016/5/30</a:t>
             </a:fld>
             <a:endParaRPr lang="zh-CN" altLang="en-US" sz="1800">
               <a:solidFill>
@@ -24273,852 +24272,6 @@
           <a:chExt cx="0" cy="0"/>
         </a:xfrm>
       </p:grpSpPr>
-      <p:grpSp>
-        <p:nvGrpSpPr>
-          <p:cNvPr id="6146" name="Group 2"/>
-          <p:cNvGrpSpPr>
-            <a:grpSpLocks/>
-          </p:cNvGrpSpPr>
-          <p:nvPr/>
-        </p:nvGrpSpPr>
-        <p:grpSpPr bwMode="auto">
-          <a:xfrm>
-            <a:off x="-454025" y="-207963"/>
-            <a:ext cx="9598025" cy="1706563"/>
-            <a:chOff x="0" y="0"/>
-            <a:chExt cx="5124704" cy="911788"/>
-          </a:xfrm>
-        </p:grpSpPr>
-        <p:sp>
-          <p:nvSpPr>
-            <p:cNvPr id="6188" name="矩形 1"/>
-            <p:cNvSpPr>
-              <a:spLocks noChangeArrowheads="1"/>
-            </p:cNvSpPr>
-            <p:nvPr/>
-          </p:nvSpPr>
-          <p:spPr bwMode="auto">
-            <a:xfrm>
-              <a:off x="664067" y="200035"/>
-              <a:ext cx="4460637" cy="511718"/>
-            </a:xfrm>
-            <a:prstGeom prst="rect">
-              <a:avLst/>
-            </a:prstGeom>
-            <a:gradFill rotWithShape="1">
-              <a:gsLst>
-                <a:gs pos="0">
-                  <a:srgbClr val="BFBFBF"/>
-                </a:gs>
-                <a:gs pos="100000">
-                  <a:srgbClr val="BFBFBF"/>
-                </a:gs>
-              </a:gsLst>
-              <a:lin ang="0" scaled="1"/>
-            </a:gradFill>
-            <a:ln>
-              <a:noFill/>
-            </a:ln>
-            <a:extLst>
-              <a:ext uri="{91240B29-F687-4F45-9708-019B960494DF}">
-                <a14:hiddenLine xmlns:a14="http://schemas.microsoft.com/office/drawing/2010/main" w="12700">
-                  <a:solidFill>
-                    <a:srgbClr val="000000"/>
-                  </a:solidFill>
-                  <a:bevel/>
-                  <a:headEnd/>
-                  <a:tailEnd/>
-                </a14:hiddenLine>
-              </a:ext>
-            </a:extLst>
-          </p:spPr>
-          <p:txBody>
-            <a:bodyPr anchor="ctr"/>
-            <a:lstStyle>
-              <a:lvl1pPr>
-                <a:lnSpc>
-                  <a:spcPct val="90000"/>
-                </a:lnSpc>
-                <a:spcBef>
-                  <a:spcPts val="1000"/>
-                </a:spcBef>
-                <a:buFont typeface="Arial" panose="020B0604020202020204" pitchFamily="34" charset="0"/>
-                <a:buChar char="•"/>
-                <a:defRPr sz="2800">
-                  <a:solidFill>
-                    <a:schemeClr val="tx1"/>
-                  </a:solidFill>
-                  <a:latin typeface="Calibri" panose="020F0502020204030204" pitchFamily="34" charset="0"/>
-                  <a:ea typeface="宋体" panose="02010600030101010101" pitchFamily="2" charset="-122"/>
-                  <a:sym typeface="Calibri" panose="020F0502020204030204" pitchFamily="34" charset="0"/>
-                </a:defRPr>
-              </a:lvl1pPr>
-              <a:lvl2pPr marL="742950" indent="-285750">
-                <a:lnSpc>
-                  <a:spcPct val="90000"/>
-                </a:lnSpc>
-                <a:spcBef>
-                  <a:spcPts val="500"/>
-                </a:spcBef>
-                <a:buFont typeface="Arial" panose="020B0604020202020204" pitchFamily="34" charset="0"/>
-                <a:buChar char="•"/>
-                <a:defRPr sz="2400">
-                  <a:solidFill>
-                    <a:schemeClr val="tx1"/>
-                  </a:solidFill>
-                  <a:latin typeface="Calibri" panose="020F0502020204030204" pitchFamily="34" charset="0"/>
-                  <a:ea typeface="宋体" panose="02010600030101010101" pitchFamily="2" charset="-122"/>
-                  <a:sym typeface="Calibri" panose="020F0502020204030204" pitchFamily="34" charset="0"/>
-                </a:defRPr>
-              </a:lvl2pPr>
-              <a:lvl3pPr marL="1143000" indent="-228600">
-                <a:lnSpc>
-                  <a:spcPct val="90000"/>
-                </a:lnSpc>
-                <a:spcBef>
-                  <a:spcPts val="500"/>
-                </a:spcBef>
-                <a:buFont typeface="Arial" panose="020B0604020202020204" pitchFamily="34" charset="0"/>
-                <a:buChar char="•"/>
-                <a:defRPr sz="2000">
-                  <a:solidFill>
-                    <a:schemeClr val="tx1"/>
-                  </a:solidFill>
-                  <a:latin typeface="Calibri" panose="020F0502020204030204" pitchFamily="34" charset="0"/>
-                  <a:ea typeface="宋体" panose="02010600030101010101" pitchFamily="2" charset="-122"/>
-                  <a:sym typeface="Calibri" panose="020F0502020204030204" pitchFamily="34" charset="0"/>
-                </a:defRPr>
-              </a:lvl3pPr>
-              <a:lvl4pPr marL="1600200" indent="-228600">
-                <a:lnSpc>
-                  <a:spcPct val="90000"/>
-                </a:lnSpc>
-                <a:spcBef>
-                  <a:spcPts val="500"/>
-                </a:spcBef>
-                <a:buFont typeface="Arial" panose="020B0604020202020204" pitchFamily="34" charset="0"/>
-                <a:buChar char="•"/>
-                <a:defRPr sz="2000">
-                  <a:solidFill>
-                    <a:schemeClr val="tx1"/>
-                  </a:solidFill>
-                  <a:latin typeface="Calibri" panose="020F0502020204030204" pitchFamily="34" charset="0"/>
-                  <a:ea typeface="宋体" panose="02010600030101010101" pitchFamily="2" charset="-122"/>
-                  <a:sym typeface="Calibri" panose="020F0502020204030204" pitchFamily="34" charset="0"/>
-                </a:defRPr>
-              </a:lvl4pPr>
-              <a:lvl5pPr marL="2057400" indent="-228600">
-                <a:lnSpc>
-                  <a:spcPct val="90000"/>
-                </a:lnSpc>
-                <a:spcBef>
-                  <a:spcPts val="500"/>
-                </a:spcBef>
-                <a:buFont typeface="Arial" panose="020B0604020202020204" pitchFamily="34" charset="0"/>
-                <a:buChar char="•"/>
-                <a:defRPr sz="2000">
-                  <a:solidFill>
-                    <a:schemeClr val="tx1"/>
-                  </a:solidFill>
-                  <a:latin typeface="Calibri" panose="020F0502020204030204" pitchFamily="34" charset="0"/>
-                  <a:ea typeface="宋体" panose="02010600030101010101" pitchFamily="2" charset="-122"/>
-                  <a:sym typeface="Calibri" panose="020F0502020204030204" pitchFamily="34" charset="0"/>
-                </a:defRPr>
-              </a:lvl5pPr>
-              <a:lvl6pPr marL="2514600" indent="-228600" eaLnBrk="0" fontAlgn="base" hangingPunct="0">
-                <a:lnSpc>
-                  <a:spcPct val="90000"/>
-                </a:lnSpc>
-                <a:spcBef>
-                  <a:spcPts val="500"/>
-                </a:spcBef>
-                <a:spcAft>
-                  <a:spcPct val="0"/>
-                </a:spcAft>
-                <a:buFont typeface="Arial" panose="020B0604020202020204" pitchFamily="34" charset="0"/>
-                <a:buChar char="•"/>
-                <a:defRPr sz="2000">
-                  <a:solidFill>
-                    <a:schemeClr val="tx1"/>
-                  </a:solidFill>
-                  <a:latin typeface="Calibri" panose="020F0502020204030204" pitchFamily="34" charset="0"/>
-                  <a:ea typeface="宋体" panose="02010600030101010101" pitchFamily="2" charset="-122"/>
-                  <a:sym typeface="Calibri" panose="020F0502020204030204" pitchFamily="34" charset="0"/>
-                </a:defRPr>
-              </a:lvl6pPr>
-              <a:lvl7pPr marL="2971800" indent="-228600" eaLnBrk="0" fontAlgn="base" hangingPunct="0">
-                <a:lnSpc>
-                  <a:spcPct val="90000"/>
-                </a:lnSpc>
-                <a:spcBef>
-                  <a:spcPts val="500"/>
-                </a:spcBef>
-                <a:spcAft>
-                  <a:spcPct val="0"/>
-                </a:spcAft>
-                <a:buFont typeface="Arial" panose="020B0604020202020204" pitchFamily="34" charset="0"/>
-                <a:buChar char="•"/>
-                <a:defRPr sz="2000">
-                  <a:solidFill>
-                    <a:schemeClr val="tx1"/>
-                  </a:solidFill>
-                  <a:latin typeface="Calibri" panose="020F0502020204030204" pitchFamily="34" charset="0"/>
-                  <a:ea typeface="宋体" panose="02010600030101010101" pitchFamily="2" charset="-122"/>
-                  <a:sym typeface="Calibri" panose="020F0502020204030204" pitchFamily="34" charset="0"/>
-                </a:defRPr>
-              </a:lvl7pPr>
-              <a:lvl8pPr marL="3429000" indent="-228600" eaLnBrk="0" fontAlgn="base" hangingPunct="0">
-                <a:lnSpc>
-                  <a:spcPct val="90000"/>
-                </a:lnSpc>
-                <a:spcBef>
-                  <a:spcPts val="500"/>
-                </a:spcBef>
-                <a:spcAft>
-                  <a:spcPct val="0"/>
-                </a:spcAft>
-                <a:buFont typeface="Arial" panose="020B0604020202020204" pitchFamily="34" charset="0"/>
-                <a:buChar char="•"/>
-                <a:defRPr sz="2000">
-                  <a:solidFill>
-                    <a:schemeClr val="tx1"/>
-                  </a:solidFill>
-                  <a:latin typeface="Calibri" panose="020F0502020204030204" pitchFamily="34" charset="0"/>
-                  <a:ea typeface="宋体" panose="02010600030101010101" pitchFamily="2" charset="-122"/>
-                  <a:sym typeface="Calibri" panose="020F0502020204030204" pitchFamily="34" charset="0"/>
-                </a:defRPr>
-              </a:lvl8pPr>
-              <a:lvl9pPr marL="3886200" indent="-228600" eaLnBrk="0" fontAlgn="base" hangingPunct="0">
-                <a:lnSpc>
-                  <a:spcPct val="90000"/>
-                </a:lnSpc>
-                <a:spcBef>
-                  <a:spcPts val="500"/>
-                </a:spcBef>
-                <a:spcAft>
-                  <a:spcPct val="0"/>
-                </a:spcAft>
-                <a:buFont typeface="Arial" panose="020B0604020202020204" pitchFamily="34" charset="0"/>
-                <a:buChar char="•"/>
-                <a:defRPr sz="2000">
-                  <a:solidFill>
-                    <a:schemeClr val="tx1"/>
-                  </a:solidFill>
-                  <a:latin typeface="Calibri" panose="020F0502020204030204" pitchFamily="34" charset="0"/>
-                  <a:ea typeface="宋体" panose="02010600030101010101" pitchFamily="2" charset="-122"/>
-                  <a:sym typeface="Calibri" panose="020F0502020204030204" pitchFamily="34" charset="0"/>
-                </a:defRPr>
-              </a:lvl9pPr>
-            </a:lstStyle>
-            <a:p>
-              <a:pPr algn="ctr" eaLnBrk="1" hangingPunct="1">
-                <a:lnSpc>
-                  <a:spcPct val="100000"/>
-                </a:lnSpc>
-                <a:spcBef>
-                  <a:spcPct val="0"/>
-                </a:spcBef>
-                <a:buFont typeface="Arial" panose="020B0604020202020204" pitchFamily="34" charset="0"/>
-                <a:buNone/>
-              </a:pPr>
-              <a:endParaRPr lang="zh-CN" altLang="zh-CN" sz="1800">
-                <a:solidFill>
-                  <a:srgbClr val="CCEDC7"/>
-                </a:solidFill>
-                <a:latin typeface="宋体" panose="02010600030101010101" pitchFamily="2" charset="-122"/>
-                <a:sym typeface="宋体" panose="02010600030101010101" pitchFamily="2" charset="-122"/>
-              </a:endParaRPr>
-            </a:p>
-          </p:txBody>
-        </p:sp>
-        <p:sp>
-          <p:nvSpPr>
-            <p:cNvPr id="6189" name="椭圆 2"/>
-            <p:cNvSpPr>
-              <a:spLocks noChangeArrowheads="1"/>
-            </p:cNvSpPr>
-            <p:nvPr/>
-          </p:nvSpPr>
-          <p:spPr bwMode="auto">
-            <a:xfrm>
-              <a:off x="0" y="0"/>
-              <a:ext cx="911788" cy="911788"/>
-            </a:xfrm>
-            <a:prstGeom prst="ellipse">
-              <a:avLst/>
-            </a:prstGeom>
-            <a:solidFill>
-              <a:srgbClr val="BFBFBF"/>
-            </a:solidFill>
-            <a:ln w="76200">
-              <a:solidFill>
-                <a:srgbClr val="287ED3"/>
-              </a:solidFill>
-              <a:bevel/>
-              <a:headEnd/>
-              <a:tailEnd/>
-            </a:ln>
-          </p:spPr>
-          <p:txBody>
-            <a:bodyPr anchor="ctr"/>
-            <a:lstStyle>
-              <a:lvl1pPr>
-                <a:lnSpc>
-                  <a:spcPct val="90000"/>
-                </a:lnSpc>
-                <a:spcBef>
-                  <a:spcPts val="1000"/>
-                </a:spcBef>
-                <a:buFont typeface="Arial" panose="020B0604020202020204" pitchFamily="34" charset="0"/>
-                <a:buChar char="•"/>
-                <a:defRPr sz="2800">
-                  <a:solidFill>
-                    <a:schemeClr val="tx1"/>
-                  </a:solidFill>
-                  <a:latin typeface="Calibri" panose="020F0502020204030204" pitchFamily="34" charset="0"/>
-                  <a:ea typeface="宋体" panose="02010600030101010101" pitchFamily="2" charset="-122"/>
-                  <a:sym typeface="Calibri" panose="020F0502020204030204" pitchFamily="34" charset="0"/>
-                </a:defRPr>
-              </a:lvl1pPr>
-              <a:lvl2pPr marL="742950" indent="-285750">
-                <a:lnSpc>
-                  <a:spcPct val="90000"/>
-                </a:lnSpc>
-                <a:spcBef>
-                  <a:spcPts val="500"/>
-                </a:spcBef>
-                <a:buFont typeface="Arial" panose="020B0604020202020204" pitchFamily="34" charset="0"/>
-                <a:buChar char="•"/>
-                <a:defRPr sz="2400">
-                  <a:solidFill>
-                    <a:schemeClr val="tx1"/>
-                  </a:solidFill>
-                  <a:latin typeface="Calibri" panose="020F0502020204030204" pitchFamily="34" charset="0"/>
-                  <a:ea typeface="宋体" panose="02010600030101010101" pitchFamily="2" charset="-122"/>
-                  <a:sym typeface="Calibri" panose="020F0502020204030204" pitchFamily="34" charset="0"/>
-                </a:defRPr>
-              </a:lvl2pPr>
-              <a:lvl3pPr marL="1143000" indent="-228600">
-                <a:lnSpc>
-                  <a:spcPct val="90000"/>
-                </a:lnSpc>
-                <a:spcBef>
-                  <a:spcPts val="500"/>
-                </a:spcBef>
-                <a:buFont typeface="Arial" panose="020B0604020202020204" pitchFamily="34" charset="0"/>
-                <a:buChar char="•"/>
-                <a:defRPr sz="2000">
-                  <a:solidFill>
-                    <a:schemeClr val="tx1"/>
-                  </a:solidFill>
-                  <a:latin typeface="Calibri" panose="020F0502020204030204" pitchFamily="34" charset="0"/>
-                  <a:ea typeface="宋体" panose="02010600030101010101" pitchFamily="2" charset="-122"/>
-                  <a:sym typeface="Calibri" panose="020F0502020204030204" pitchFamily="34" charset="0"/>
-                </a:defRPr>
-              </a:lvl3pPr>
-              <a:lvl4pPr marL="1600200" indent="-228600">
-                <a:lnSpc>
-                  <a:spcPct val="90000"/>
-                </a:lnSpc>
-                <a:spcBef>
-                  <a:spcPts val="500"/>
-                </a:spcBef>
-                <a:buFont typeface="Arial" panose="020B0604020202020204" pitchFamily="34" charset="0"/>
-                <a:buChar char="•"/>
-                <a:defRPr sz="2000">
-                  <a:solidFill>
-                    <a:schemeClr val="tx1"/>
-                  </a:solidFill>
-                  <a:latin typeface="Calibri" panose="020F0502020204030204" pitchFamily="34" charset="0"/>
-                  <a:ea typeface="宋体" panose="02010600030101010101" pitchFamily="2" charset="-122"/>
-                  <a:sym typeface="Calibri" panose="020F0502020204030204" pitchFamily="34" charset="0"/>
-                </a:defRPr>
-              </a:lvl4pPr>
-              <a:lvl5pPr marL="2057400" indent="-228600">
-                <a:lnSpc>
-                  <a:spcPct val="90000"/>
-                </a:lnSpc>
-                <a:spcBef>
-                  <a:spcPts val="500"/>
-                </a:spcBef>
-                <a:buFont typeface="Arial" panose="020B0604020202020204" pitchFamily="34" charset="0"/>
-                <a:buChar char="•"/>
-                <a:defRPr sz="2000">
-                  <a:solidFill>
-                    <a:schemeClr val="tx1"/>
-                  </a:solidFill>
-                  <a:latin typeface="Calibri" panose="020F0502020204030204" pitchFamily="34" charset="0"/>
-                  <a:ea typeface="宋体" panose="02010600030101010101" pitchFamily="2" charset="-122"/>
-                  <a:sym typeface="Calibri" panose="020F0502020204030204" pitchFamily="34" charset="0"/>
-                </a:defRPr>
-              </a:lvl5pPr>
-              <a:lvl6pPr marL="2514600" indent="-228600" eaLnBrk="0" fontAlgn="base" hangingPunct="0">
-                <a:lnSpc>
-                  <a:spcPct val="90000"/>
-                </a:lnSpc>
-                <a:spcBef>
-                  <a:spcPts val="500"/>
-                </a:spcBef>
-                <a:spcAft>
-                  <a:spcPct val="0"/>
-                </a:spcAft>
-                <a:buFont typeface="Arial" panose="020B0604020202020204" pitchFamily="34" charset="0"/>
-                <a:buChar char="•"/>
-                <a:defRPr sz="2000">
-                  <a:solidFill>
-                    <a:schemeClr val="tx1"/>
-                  </a:solidFill>
-                  <a:latin typeface="Calibri" panose="020F0502020204030204" pitchFamily="34" charset="0"/>
-                  <a:ea typeface="宋体" panose="02010600030101010101" pitchFamily="2" charset="-122"/>
-                  <a:sym typeface="Calibri" panose="020F0502020204030204" pitchFamily="34" charset="0"/>
-                </a:defRPr>
-              </a:lvl6pPr>
-              <a:lvl7pPr marL="2971800" indent="-228600" eaLnBrk="0" fontAlgn="base" hangingPunct="0">
-                <a:lnSpc>
-                  <a:spcPct val="90000"/>
-                </a:lnSpc>
-                <a:spcBef>
-                  <a:spcPts val="500"/>
-                </a:spcBef>
-                <a:spcAft>
-                  <a:spcPct val="0"/>
-                </a:spcAft>
-                <a:buFont typeface="Arial" panose="020B0604020202020204" pitchFamily="34" charset="0"/>
-                <a:buChar char="•"/>
-                <a:defRPr sz="2000">
-                  <a:solidFill>
-                    <a:schemeClr val="tx1"/>
-                  </a:solidFill>
-                  <a:latin typeface="Calibri" panose="020F0502020204030204" pitchFamily="34" charset="0"/>
-                  <a:ea typeface="宋体" panose="02010600030101010101" pitchFamily="2" charset="-122"/>
-                  <a:sym typeface="Calibri" panose="020F0502020204030204" pitchFamily="34" charset="0"/>
-                </a:defRPr>
-              </a:lvl7pPr>
-              <a:lvl8pPr marL="3429000" indent="-228600" eaLnBrk="0" fontAlgn="base" hangingPunct="0">
-                <a:lnSpc>
-                  <a:spcPct val="90000"/>
-                </a:lnSpc>
-                <a:spcBef>
-                  <a:spcPts val="500"/>
-                </a:spcBef>
-                <a:spcAft>
-                  <a:spcPct val="0"/>
-                </a:spcAft>
-                <a:buFont typeface="Arial" panose="020B0604020202020204" pitchFamily="34" charset="0"/>
-                <a:buChar char="•"/>
-                <a:defRPr sz="2000">
-                  <a:solidFill>
-                    <a:schemeClr val="tx1"/>
-                  </a:solidFill>
-                  <a:latin typeface="Calibri" panose="020F0502020204030204" pitchFamily="34" charset="0"/>
-                  <a:ea typeface="宋体" panose="02010600030101010101" pitchFamily="2" charset="-122"/>
-                  <a:sym typeface="Calibri" panose="020F0502020204030204" pitchFamily="34" charset="0"/>
-                </a:defRPr>
-              </a:lvl8pPr>
-              <a:lvl9pPr marL="3886200" indent="-228600" eaLnBrk="0" fontAlgn="base" hangingPunct="0">
-                <a:lnSpc>
-                  <a:spcPct val="90000"/>
-                </a:lnSpc>
-                <a:spcBef>
-                  <a:spcPts val="500"/>
-                </a:spcBef>
-                <a:spcAft>
-                  <a:spcPct val="0"/>
-                </a:spcAft>
-                <a:buFont typeface="Arial" panose="020B0604020202020204" pitchFamily="34" charset="0"/>
-                <a:buChar char="•"/>
-                <a:defRPr sz="2000">
-                  <a:solidFill>
-                    <a:schemeClr val="tx1"/>
-                  </a:solidFill>
-                  <a:latin typeface="Calibri" panose="020F0502020204030204" pitchFamily="34" charset="0"/>
-                  <a:ea typeface="宋体" panose="02010600030101010101" pitchFamily="2" charset="-122"/>
-                  <a:sym typeface="Calibri" panose="020F0502020204030204" pitchFamily="34" charset="0"/>
-                </a:defRPr>
-              </a:lvl9pPr>
-            </a:lstStyle>
-            <a:p>
-              <a:pPr algn="ctr" eaLnBrk="1" hangingPunct="1">
-                <a:lnSpc>
-                  <a:spcPct val="100000"/>
-                </a:lnSpc>
-                <a:spcBef>
-                  <a:spcPct val="0"/>
-                </a:spcBef>
-                <a:buFont typeface="Arial" panose="020B0604020202020204" pitchFamily="34" charset="0"/>
-                <a:buNone/>
-              </a:pPr>
-              <a:r>
-                <a:rPr lang="en-US" altLang="zh-CN" sz="4400" b="1" dirty="0">
-                  <a:solidFill>
-                    <a:srgbClr val="287ED3"/>
-                  </a:solidFill>
-                </a:rPr>
-                <a:t>3-2</a:t>
-              </a:r>
-              <a:endParaRPr lang="zh-CN" altLang="en-US" sz="4400" b="1" dirty="0">
-                <a:solidFill>
-                  <a:srgbClr val="287ED3"/>
-                </a:solidFill>
-                <a:latin typeface="宋体" panose="02010600030101010101" pitchFamily="2" charset="-122"/>
-                <a:sym typeface="宋体" panose="02010600030101010101" pitchFamily="2" charset="-122"/>
-              </a:endParaRPr>
-            </a:p>
-          </p:txBody>
-        </p:sp>
-      </p:grpSp>
-      <p:sp>
-        <p:nvSpPr>
-          <p:cNvPr id="6147" name="文本框 4"/>
-          <p:cNvSpPr>
-            <a:spLocks noChangeArrowheads="1"/>
-          </p:cNvSpPr>
-          <p:nvPr/>
-        </p:nvSpPr>
-        <p:spPr bwMode="auto">
-          <a:xfrm>
-            <a:off x="1562100" y="320675"/>
-            <a:ext cx="4070604" cy="646331"/>
-          </a:xfrm>
-          <a:prstGeom prst="rect">
-            <a:avLst/>
-          </a:prstGeom>
-          <a:noFill/>
-          <a:ln>
-            <a:noFill/>
-          </a:ln>
-          <a:extLst>
-            <a:ext uri="{909E8E84-426E-40DD-AFC4-6F175D3DCCD1}">
-              <a14:hiddenFill xmlns:a14="http://schemas.microsoft.com/office/drawing/2010/main">
-                <a:solidFill>
-                  <a:srgbClr val="FFFFFF"/>
-                </a:solidFill>
-              </a14:hiddenFill>
-            </a:ext>
-            <a:ext uri="{91240B29-F687-4F45-9708-019B960494DF}">
-              <a14:hiddenLine xmlns:a14="http://schemas.microsoft.com/office/drawing/2010/main" w="9525">
-                <a:solidFill>
-                  <a:srgbClr val="000000"/>
-                </a:solidFill>
-                <a:miter lim="800000"/>
-                <a:headEnd/>
-                <a:tailEnd/>
-              </a14:hiddenLine>
-            </a:ext>
-          </a:extLst>
-        </p:spPr>
-        <p:txBody>
-          <a:bodyPr wrap="square">
-            <a:spAutoFit/>
-          </a:bodyPr>
-          <a:lstStyle>
-            <a:lvl1pPr>
-              <a:lnSpc>
-                <a:spcPct val="90000"/>
-              </a:lnSpc>
-              <a:spcBef>
-                <a:spcPts val="1000"/>
-              </a:spcBef>
-              <a:buFont typeface="Arial" panose="020B0604020202020204" pitchFamily="34" charset="0"/>
-              <a:buChar char="•"/>
-              <a:defRPr sz="2800">
-                <a:solidFill>
-                  <a:schemeClr val="tx1"/>
-                </a:solidFill>
-                <a:latin typeface="Calibri" panose="020F0502020204030204" pitchFamily="34" charset="0"/>
-                <a:ea typeface="宋体" panose="02010600030101010101" pitchFamily="2" charset="-122"/>
-                <a:sym typeface="Calibri" panose="020F0502020204030204" pitchFamily="34" charset="0"/>
-              </a:defRPr>
-            </a:lvl1pPr>
-            <a:lvl2pPr marL="742950" indent="-285750">
-              <a:lnSpc>
-                <a:spcPct val="90000"/>
-              </a:lnSpc>
-              <a:spcBef>
-                <a:spcPts val="500"/>
-              </a:spcBef>
-              <a:buFont typeface="Arial" panose="020B0604020202020204" pitchFamily="34" charset="0"/>
-              <a:buChar char="•"/>
-              <a:defRPr sz="2400">
-                <a:solidFill>
-                  <a:schemeClr val="tx1"/>
-                </a:solidFill>
-                <a:latin typeface="Calibri" panose="020F0502020204030204" pitchFamily="34" charset="0"/>
-                <a:ea typeface="宋体" panose="02010600030101010101" pitchFamily="2" charset="-122"/>
-                <a:sym typeface="Calibri" panose="020F0502020204030204" pitchFamily="34" charset="0"/>
-              </a:defRPr>
-            </a:lvl2pPr>
-            <a:lvl3pPr marL="1143000" indent="-228600">
-              <a:lnSpc>
-                <a:spcPct val="90000"/>
-              </a:lnSpc>
-              <a:spcBef>
-                <a:spcPts val="500"/>
-              </a:spcBef>
-              <a:buFont typeface="Arial" panose="020B0604020202020204" pitchFamily="34" charset="0"/>
-              <a:buChar char="•"/>
-              <a:defRPr sz="2000">
-                <a:solidFill>
-                  <a:schemeClr val="tx1"/>
-                </a:solidFill>
-                <a:latin typeface="Calibri" panose="020F0502020204030204" pitchFamily="34" charset="0"/>
-                <a:ea typeface="宋体" panose="02010600030101010101" pitchFamily="2" charset="-122"/>
-                <a:sym typeface="Calibri" panose="020F0502020204030204" pitchFamily="34" charset="0"/>
-              </a:defRPr>
-            </a:lvl3pPr>
-            <a:lvl4pPr marL="1600200" indent="-228600">
-              <a:lnSpc>
-                <a:spcPct val="90000"/>
-              </a:lnSpc>
-              <a:spcBef>
-                <a:spcPts val="500"/>
-              </a:spcBef>
-              <a:buFont typeface="Arial" panose="020B0604020202020204" pitchFamily="34" charset="0"/>
-              <a:buChar char="•"/>
-              <a:defRPr sz="2000">
-                <a:solidFill>
-                  <a:schemeClr val="tx1"/>
-                </a:solidFill>
-                <a:latin typeface="Calibri" panose="020F0502020204030204" pitchFamily="34" charset="0"/>
-                <a:ea typeface="宋体" panose="02010600030101010101" pitchFamily="2" charset="-122"/>
-                <a:sym typeface="Calibri" panose="020F0502020204030204" pitchFamily="34" charset="0"/>
-              </a:defRPr>
-            </a:lvl4pPr>
-            <a:lvl5pPr marL="2057400" indent="-228600">
-              <a:lnSpc>
-                <a:spcPct val="90000"/>
-              </a:lnSpc>
-              <a:spcBef>
-                <a:spcPts val="500"/>
-              </a:spcBef>
-              <a:buFont typeface="Arial" panose="020B0604020202020204" pitchFamily="34" charset="0"/>
-              <a:buChar char="•"/>
-              <a:defRPr sz="2000">
-                <a:solidFill>
-                  <a:schemeClr val="tx1"/>
-                </a:solidFill>
-                <a:latin typeface="Calibri" panose="020F0502020204030204" pitchFamily="34" charset="0"/>
-                <a:ea typeface="宋体" panose="02010600030101010101" pitchFamily="2" charset="-122"/>
-                <a:sym typeface="Calibri" panose="020F0502020204030204" pitchFamily="34" charset="0"/>
-              </a:defRPr>
-            </a:lvl5pPr>
-            <a:lvl6pPr marL="2514600" indent="-228600" eaLnBrk="0" fontAlgn="base" hangingPunct="0">
-              <a:lnSpc>
-                <a:spcPct val="90000"/>
-              </a:lnSpc>
-              <a:spcBef>
-                <a:spcPts val="500"/>
-              </a:spcBef>
-              <a:spcAft>
-                <a:spcPct val="0"/>
-              </a:spcAft>
-              <a:buFont typeface="Arial" panose="020B0604020202020204" pitchFamily="34" charset="0"/>
-              <a:buChar char="•"/>
-              <a:defRPr sz="2000">
-                <a:solidFill>
-                  <a:schemeClr val="tx1"/>
-                </a:solidFill>
-                <a:latin typeface="Calibri" panose="020F0502020204030204" pitchFamily="34" charset="0"/>
-                <a:ea typeface="宋体" panose="02010600030101010101" pitchFamily="2" charset="-122"/>
-                <a:sym typeface="Calibri" panose="020F0502020204030204" pitchFamily="34" charset="0"/>
-              </a:defRPr>
-            </a:lvl6pPr>
-            <a:lvl7pPr marL="2971800" indent="-228600" eaLnBrk="0" fontAlgn="base" hangingPunct="0">
-              <a:lnSpc>
-                <a:spcPct val="90000"/>
-              </a:lnSpc>
-              <a:spcBef>
-                <a:spcPts val="500"/>
-              </a:spcBef>
-              <a:spcAft>
-                <a:spcPct val="0"/>
-              </a:spcAft>
-              <a:buFont typeface="Arial" panose="020B0604020202020204" pitchFamily="34" charset="0"/>
-              <a:buChar char="•"/>
-              <a:defRPr sz="2000">
-                <a:solidFill>
-                  <a:schemeClr val="tx1"/>
-                </a:solidFill>
-                <a:latin typeface="Calibri" panose="020F0502020204030204" pitchFamily="34" charset="0"/>
-                <a:ea typeface="宋体" panose="02010600030101010101" pitchFamily="2" charset="-122"/>
-                <a:sym typeface="Calibri" panose="020F0502020204030204" pitchFamily="34" charset="0"/>
-              </a:defRPr>
-            </a:lvl7pPr>
-            <a:lvl8pPr marL="3429000" indent="-228600" eaLnBrk="0" fontAlgn="base" hangingPunct="0">
-              <a:lnSpc>
-                <a:spcPct val="90000"/>
-              </a:lnSpc>
-              <a:spcBef>
-                <a:spcPts val="500"/>
-              </a:spcBef>
-              <a:spcAft>
-                <a:spcPct val="0"/>
-              </a:spcAft>
-              <a:buFont typeface="Arial" panose="020B0604020202020204" pitchFamily="34" charset="0"/>
-              <a:buChar char="•"/>
-              <a:defRPr sz="2000">
-                <a:solidFill>
-                  <a:schemeClr val="tx1"/>
-                </a:solidFill>
-                <a:latin typeface="Calibri" panose="020F0502020204030204" pitchFamily="34" charset="0"/>
-                <a:ea typeface="宋体" panose="02010600030101010101" pitchFamily="2" charset="-122"/>
-                <a:sym typeface="Calibri" panose="020F0502020204030204" pitchFamily="34" charset="0"/>
-              </a:defRPr>
-            </a:lvl8pPr>
-            <a:lvl9pPr marL="3886200" indent="-228600" eaLnBrk="0" fontAlgn="base" hangingPunct="0">
-              <a:lnSpc>
-                <a:spcPct val="90000"/>
-              </a:lnSpc>
-              <a:spcBef>
-                <a:spcPts val="500"/>
-              </a:spcBef>
-              <a:spcAft>
-                <a:spcPct val="0"/>
-              </a:spcAft>
-              <a:buFont typeface="Arial" panose="020B0604020202020204" pitchFamily="34" charset="0"/>
-              <a:buChar char="•"/>
-              <a:defRPr sz="2000">
-                <a:solidFill>
-                  <a:schemeClr val="tx1"/>
-                </a:solidFill>
-                <a:latin typeface="Calibri" panose="020F0502020204030204" pitchFamily="34" charset="0"/>
-                <a:ea typeface="宋体" panose="02010600030101010101" pitchFamily="2" charset="-122"/>
-                <a:sym typeface="Calibri" panose="020F0502020204030204" pitchFamily="34" charset="0"/>
-              </a:defRPr>
-            </a:lvl9pPr>
-          </a:lstStyle>
-          <a:p>
-            <a:pPr eaLnBrk="1" hangingPunct="1">
-              <a:lnSpc>
-                <a:spcPct val="100000"/>
-              </a:lnSpc>
-              <a:spcBef>
-                <a:spcPct val="0"/>
-              </a:spcBef>
-              <a:buNone/>
-            </a:pPr>
-            <a:r>
-              <a:rPr lang="en-US" altLang="zh-CN" sz="3600" dirty="0">
-                <a:solidFill>
-                  <a:srgbClr val="666666"/>
-                </a:solidFill>
-                <a:latin typeface="微软雅黑" panose="020B0503020204020204" pitchFamily="34" charset="-122"/>
-                <a:ea typeface="微软雅黑" panose="020B0503020204020204" pitchFamily="34" charset="-122"/>
-              </a:rPr>
-              <a:t>APP</a:t>
-            </a:r>
-            <a:r>
-              <a:rPr lang="zh-CN" altLang="en-US" sz="3600" dirty="0">
-                <a:solidFill>
-                  <a:srgbClr val="666666"/>
-                </a:solidFill>
-                <a:latin typeface="微软雅黑" panose="020B0503020204020204" pitchFamily="34" charset="-122"/>
-                <a:ea typeface="微软雅黑" panose="020B0503020204020204" pitchFamily="34" charset="-122"/>
-              </a:rPr>
-              <a:t>联调</a:t>
-            </a:r>
-            <a:endParaRPr lang="zh-CN" altLang="en-US" sz="3600" b="1" dirty="0">
-              <a:solidFill>
-                <a:srgbClr val="000000"/>
-              </a:solidFill>
-              <a:latin typeface="微软雅黑" panose="020B0503020204020204" pitchFamily="34" charset="-122"/>
-              <a:ea typeface="微软雅黑" panose="020B0503020204020204" pitchFamily="34" charset="-122"/>
-              <a:sym typeface="微软雅黑" panose="020B0503020204020204" pitchFamily="34" charset="-122"/>
-            </a:endParaRPr>
-          </a:p>
-        </p:txBody>
-      </p:sp>
-      <p:pic>
-        <p:nvPicPr>
-          <p:cNvPr id="6" name="image20.png"/>
-          <p:cNvPicPr/>
-          <p:nvPr/>
-        </p:nvPicPr>
-        <p:blipFill>
-          <a:blip r:embed="rId2" cstate="print"/>
-          <a:stretch>
-            <a:fillRect/>
-          </a:stretch>
-        </p:blipFill>
-        <p:spPr>
-          <a:xfrm>
-            <a:off x="2959280" y="3386193"/>
-            <a:ext cx="2885121" cy="2606453"/>
-          </a:xfrm>
-          <a:prstGeom prst="rect">
-            <a:avLst/>
-          </a:prstGeom>
-        </p:spPr>
-      </p:pic>
-      <p:sp>
-        <p:nvSpPr>
-          <p:cNvPr id="7" name="矩形 6"/>
-          <p:cNvSpPr/>
-          <p:nvPr/>
-        </p:nvSpPr>
-        <p:spPr>
-          <a:xfrm>
-            <a:off x="1691910" y="1932031"/>
-            <a:ext cx="6062202" cy="369332"/>
-          </a:xfrm>
-          <a:prstGeom prst="rect">
-            <a:avLst/>
-          </a:prstGeom>
-        </p:spPr>
-        <p:txBody>
-          <a:bodyPr wrap="square">
-            <a:spAutoFit/>
-          </a:bodyPr>
-          <a:lstStyle/>
-          <a:p>
-            <a:r>
-              <a:rPr lang="zh-CN" altLang="en-US" dirty="0">
-                <a:solidFill>
-                  <a:srgbClr val="252525"/>
-                </a:solidFill>
-                <a:latin typeface="Helvetica Neue"/>
-              </a:rPr>
-              <a:t>可以做到实时读取数据，控制板载资源，实现双向通信</a:t>
-            </a:r>
-            <a:endParaRPr lang="en-US" altLang="zh-CN" dirty="0">
-              <a:solidFill>
-                <a:srgbClr val="252525"/>
-              </a:solidFill>
-              <a:latin typeface="Helvetica Neue"/>
-            </a:endParaRPr>
-          </a:p>
-        </p:txBody>
-      </p:sp>
-    </p:spTree>
-    <p:extLst>
-      <p:ext uri="{BB962C8B-B14F-4D97-AF65-F5344CB8AC3E}">
-        <p14:creationId xmlns:p14="http://schemas.microsoft.com/office/powerpoint/2010/main" val="216842703"/>
-      </p:ext>
-    </p:extLst>
-  </p:cSld>
-  <p:clrMapOvr>
-    <a:masterClrMapping/>
-  </p:clrMapOvr>
-</p:sld>
-</file>
-
-<file path=ppt/slides/slide21.xml><?xml version="1.0" encoding="utf-8"?>
-<p:sld xmlns:a="http://schemas.openxmlformats.org/drawingml/2006/main" xmlns:r="http://schemas.openxmlformats.org/officeDocument/2006/relationships" xmlns:p="http://schemas.openxmlformats.org/presentationml/2006/main">
-  <p:cSld>
-    <p:spTree>
-      <p:nvGrpSpPr>
-        <p:cNvPr id="1" name=""/>
-        <p:cNvGrpSpPr/>
-        <p:nvPr/>
-      </p:nvGrpSpPr>
-      <p:grpSpPr>
-        <a:xfrm>
-          <a:off x="0" y="0"/>
-          <a:ext cx="0" cy="0"/>
-          <a:chOff x="0" y="0"/>
-          <a:chExt cx="0" cy="0"/>
-        </a:xfrm>
-      </p:grpSpPr>
       <p:sp>
         <p:nvSpPr>
           <p:cNvPr id="9218" name="矩形 1"/>
@@ -33421,7 +32574,7 @@
               <a:t>集成开发环境 </a:t>
             </a:r>
             <a:r>
-              <a:rPr lang="en-US" altLang="zh-CN" sz="1800">
+              <a:rPr lang="en-US" altLang="zh-CN" sz="1800" dirty="0">
                 <a:solidFill>
                   <a:srgbClr val="666666"/>
                 </a:solidFill>
@@ -33431,14 +32584,6 @@
               </a:rPr>
               <a:t>+ </a:t>
             </a:r>
-            <a:endParaRPr lang="en-US" altLang="zh-CN" sz="1800">
-              <a:solidFill>
-                <a:srgbClr val="666666"/>
-              </a:solidFill>
-              <a:latin typeface="微软雅黑" panose="020B0503020204020204" pitchFamily="34" charset="-122"/>
-              <a:ea typeface="微软雅黑" panose="020B0503020204020204" pitchFamily="34" charset="-122"/>
-              <a:sym typeface="微软雅黑" panose="020B0503020204020204" pitchFamily="34" charset="-122"/>
-            </a:endParaRPr>
           </a:p>
           <a:p>
             <a:pPr eaLnBrk="1" hangingPunct="1">
@@ -33452,7 +32597,7 @@
               <a:buNone/>
             </a:pPr>
             <a:r>
-              <a:rPr lang="en-US" altLang="zh-CN" sz="1800">
+              <a:rPr lang="en-US" altLang="zh-CN" sz="1800" dirty="0">
                 <a:solidFill>
                   <a:srgbClr val="666666"/>
                 </a:solidFill>
